--- a/Documentação/ENTREGÁVEIS ADS/Canvas Adaptado.pptx
+++ b/Documentação/ENTREGÁVEIS ADS/Canvas Adaptado.pptx
@@ -6,14 +6,13 @@
     <p:sldMasterId id="2147483665" r:id="rId2"/>
   </p:sldMasterIdLst>
   <p:notesMasterIdLst>
-    <p:notesMasterId r:id="rId5"/>
+    <p:notesMasterId r:id="rId4"/>
   </p:notesMasterIdLst>
   <p:handoutMasterIdLst>
-    <p:handoutMasterId r:id="rId6"/>
+    <p:handoutMasterId r:id="rId5"/>
   </p:handoutMasterIdLst>
   <p:sldIdLst>
     <p:sldId id="344" r:id="rId3"/>
-    <p:sldId id="345" r:id="rId4"/>
   </p:sldIdLst>
   <p:sldSz cx="13442950" cy="7561263"/>
   <p:notesSz cx="6858000" cy="9144000"/>
@@ -730,90 +729,6 @@
 </p:notes>
 </file>
 
-<file path=ppt/notesSlides/notesSlide2.xml><?xml version="1.0" encoding="utf-8"?>
-<p:notes xmlns:a="http://schemas.openxmlformats.org/drawingml/2006/main" xmlns:r="http://schemas.openxmlformats.org/officeDocument/2006/relationships" xmlns:p="http://schemas.openxmlformats.org/presentationml/2006/main">
-  <p:cSld>
-    <p:spTree>
-      <p:nvGrpSpPr>
-        <p:cNvPr id="1" name=""/>
-        <p:cNvGrpSpPr/>
-        <p:nvPr/>
-      </p:nvGrpSpPr>
-      <p:grpSpPr>
-        <a:xfrm>
-          <a:off x="0" y="0"/>
-          <a:ext cx="0" cy="0"/>
-          <a:chOff x="0" y="0"/>
-          <a:chExt cx="0" cy="0"/>
-        </a:xfrm>
-      </p:grpSpPr>
-      <p:sp>
-        <p:nvSpPr>
-          <p:cNvPr id="2" name="Espaço Reservado para Imagem de Slide 1"/>
-          <p:cNvSpPr>
-            <a:spLocks noGrp="1" noRot="1" noChangeAspect="1"/>
-          </p:cNvSpPr>
-          <p:nvPr>
-            <p:ph type="sldImg"/>
-          </p:nvPr>
-        </p:nvSpPr>
-        <p:spPr/>
-      </p:sp>
-      <p:sp>
-        <p:nvSpPr>
-          <p:cNvPr id="3" name="Espaço Reservado para Anotações 2"/>
-          <p:cNvSpPr>
-            <a:spLocks noGrp="1"/>
-          </p:cNvSpPr>
-          <p:nvPr>
-            <p:ph type="body" idx="1"/>
-          </p:nvPr>
-        </p:nvSpPr>
-        <p:spPr/>
-        <p:txBody>
-          <a:bodyPr/>
-          <a:lstStyle/>
-          <a:p>
-            <a:endParaRPr lang="pt-BR" dirty="0"/>
-          </a:p>
-        </p:txBody>
-      </p:sp>
-      <p:sp>
-        <p:nvSpPr>
-          <p:cNvPr id="4" name="Espaço Reservado para Número de Slide 3"/>
-          <p:cNvSpPr>
-            <a:spLocks noGrp="1"/>
-          </p:cNvSpPr>
-          <p:nvPr>
-            <p:ph type="sldNum" sz="quarter" idx="10"/>
-          </p:nvPr>
-        </p:nvSpPr>
-        <p:spPr/>
-        <p:txBody>
-          <a:bodyPr/>
-          <a:lstStyle/>
-          <a:p>
-            <a:fld id="{60FDDCFD-7C3E-4B92-97DB-7B9CECB613AA}" type="slidenum">
-              <a:rPr lang="pt-BR" smtClean="0"/>
-              <a:t>2</a:t>
-            </a:fld>
-            <a:endParaRPr lang="pt-BR" dirty="0"/>
-          </a:p>
-        </p:txBody>
-      </p:sp>
-    </p:spTree>
-    <p:extLst>
-      <p:ext uri="{BB962C8B-B14F-4D97-AF65-F5344CB8AC3E}">
-        <p14:creationId xmlns:p14="http://schemas.microsoft.com/office/powerpoint/2010/main" val="1945566809"/>
-      </p:ext>
-    </p:extLst>
-  </p:cSld>
-  <p:clrMapOvr>
-    <a:masterClrMapping/>
-  </p:clrMapOvr>
-</p:notes>
-</file>
-
 <file path=ppt/slideLayouts/slideLayout1.xml><?xml version="1.0" encoding="utf-8"?>
 <p:sldLayout xmlns:a="http://schemas.openxmlformats.org/drawingml/2006/main" xmlns:r="http://schemas.openxmlformats.org/officeDocument/2006/relationships" xmlns:p="http://schemas.openxmlformats.org/presentationml/2006/main" preserve="1">
   <p:cSld name="Uma Parte de Conteúdo">
@@ -3142,7 +3057,7 @@
           <a:graphicData uri="http://schemas.openxmlformats.org/presentationml/2006/ole">
             <mc:AlternateContent xmlns:mc="http://schemas.openxmlformats.org/markup-compatibility/2006">
               <mc:Choice xmlns:v="urn:schemas-microsoft-com:vml" Requires="v">
-                <p:oleObj spid="_x0000_s1033" name="Slide do think-cell" r:id="rId4" imgW="270" imgH="270" progId="TCLayout.ActiveDocument.1">
+                <p:oleObj spid="_x0000_s1036" name="Slide do think-cell" r:id="rId4" imgW="270" imgH="270" progId="TCLayout.ActiveDocument.1">
                   <p:embed/>
                 </p:oleObj>
               </mc:Choice>
@@ -8516,73 +8431,7 @@
         </p:nvSpPr>
         <p:spPr>
           <a:xfrm>
-            <a:off x="1362637" y="1837568"/>
-            <a:ext cx="1667358" cy="873217"/>
-          </a:xfrm>
-          <a:prstGeom prst="rect">
-            <a:avLst/>
-          </a:prstGeom>
-          <a:solidFill>
-            <a:srgbClr val="FFC000"/>
-          </a:solidFill>
-          <a:ln>
-            <a:noFill/>
-          </a:ln>
-          <a:effectLst>
-            <a:outerShdw blurRad="25400" dist="38100" dir="5400000" algn="t" rotWithShape="0">
-              <a:schemeClr val="bg1">
-                <a:lumMod val="85000"/>
-                <a:alpha val="40000"/>
-              </a:schemeClr>
-            </a:outerShdw>
-          </a:effectLst>
-        </p:spPr>
-        <p:style>
-          <a:lnRef idx="2">
-            <a:schemeClr val="accent1">
-              <a:shade val="50000"/>
-            </a:schemeClr>
-          </a:lnRef>
-          <a:fillRef idx="1">
-            <a:schemeClr val="accent1"/>
-          </a:fillRef>
-          <a:effectRef idx="0">
-            <a:schemeClr val="accent1"/>
-          </a:effectRef>
-          <a:fontRef idx="minor">
-            <a:schemeClr val="lt1"/>
-          </a:fontRef>
-        </p:style>
-        <p:txBody>
-          <a:bodyPr rtlCol="0" anchor="ctr"/>
-          <a:lstStyle/>
-          <a:p>
-            <a:pPr algn="ctr" defTabSz="1149969"/>
-            <a:endParaRPr lang="pt-BR" sz="1544" dirty="0">
-              <a:solidFill>
-                <a:schemeClr val="tx1"/>
-              </a:solidFill>
-              <a:latin typeface="MV Boli" panose="02000500030200090000" pitchFamily="2" charset="0"/>
-              <a:cs typeface="MV Boli" panose="02000500030200090000" pitchFamily="2" charset="0"/>
-            </a:endParaRPr>
-          </a:p>
-        </p:txBody>
-      </p:sp>
-      <p:sp>
-        <p:nvSpPr>
-          <p:cNvPr id="13" name="Retângulo 12">
-            <a:extLst>
-              <a:ext uri="{FF2B5EF4-FFF2-40B4-BE49-F238E27FC236}">
-                <a16:creationId xmlns:a16="http://schemas.microsoft.com/office/drawing/2014/main" id="{4997F601-006F-4BC7-9604-88E30DA500D9}"/>
-              </a:ext>
-            </a:extLst>
-          </p:cNvPr>
-          <p:cNvSpPr/>
-          <p:nvPr/>
-        </p:nvSpPr>
-        <p:spPr>
-          <a:xfrm>
-            <a:off x="1362637" y="3072038"/>
+            <a:off x="2539987" y="1848306"/>
             <a:ext cx="1667358" cy="873217"/>
           </a:xfrm>
           <a:prstGeom prst="rect">
@@ -8632,1400 +8481,7 @@
                 <a:latin typeface="MV Boli" panose="02000500030200090000" pitchFamily="2" charset="0"/>
                 <a:cs typeface="MV Boli" panose="02000500030200090000" pitchFamily="2" charset="0"/>
               </a:rPr>
-              <a:t> </a:t>
-            </a:r>
-          </a:p>
-        </p:txBody>
-      </p:sp>
-      <p:sp>
-        <p:nvSpPr>
-          <p:cNvPr id="16" name="Retângulo 15">
-            <a:extLst>
-              <a:ext uri="{FF2B5EF4-FFF2-40B4-BE49-F238E27FC236}">
-                <a16:creationId xmlns:a16="http://schemas.microsoft.com/office/drawing/2014/main" id="{4997F601-006F-4BC7-9604-88E30DA500D9}"/>
-              </a:ext>
-            </a:extLst>
-          </p:cNvPr>
-          <p:cNvSpPr/>
-          <p:nvPr/>
-        </p:nvSpPr>
-        <p:spPr>
-          <a:xfrm>
-            <a:off x="5683513" y="1848307"/>
-            <a:ext cx="1667358" cy="873217"/>
-          </a:xfrm>
-          <a:prstGeom prst="rect">
-            <a:avLst/>
-          </a:prstGeom>
-          <a:solidFill>
-            <a:srgbClr val="99FF99"/>
-          </a:solidFill>
-          <a:ln w="3175">
-            <a:solidFill>
-              <a:schemeClr val="bg1">
-                <a:lumMod val="85000"/>
-              </a:schemeClr>
-            </a:solidFill>
-          </a:ln>
-          <a:effectLst>
-            <a:outerShdw blurRad="25400" dist="38100" dir="5400000" algn="t" rotWithShape="0">
-              <a:schemeClr val="bg1">
-                <a:lumMod val="85000"/>
-                <a:alpha val="40000"/>
-              </a:schemeClr>
-            </a:outerShdw>
-          </a:effectLst>
-        </p:spPr>
-        <p:style>
-          <a:lnRef idx="2">
-            <a:schemeClr val="accent1">
-              <a:shade val="50000"/>
-            </a:schemeClr>
-          </a:lnRef>
-          <a:fillRef idx="1">
-            <a:schemeClr val="accent1"/>
-          </a:fillRef>
-          <a:effectRef idx="0">
-            <a:schemeClr val="accent1"/>
-          </a:effectRef>
-          <a:fontRef idx="minor">
-            <a:schemeClr val="lt1"/>
-          </a:fontRef>
-        </p:style>
-        <p:txBody>
-          <a:bodyPr rtlCol="0" anchor="ctr"/>
-          <a:lstStyle/>
-          <a:p>
-            <a:pPr algn="ctr"/>
-            <a:endParaRPr lang="pt-BR" sz="1544" dirty="0">
-              <a:solidFill>
-                <a:schemeClr val="tx1"/>
-              </a:solidFill>
-              <a:latin typeface="MV Boli" panose="02000500030200090000" pitchFamily="2" charset="0"/>
-              <a:cs typeface="MV Boli" panose="02000500030200090000" pitchFamily="2" charset="0"/>
-            </a:endParaRPr>
-          </a:p>
-        </p:txBody>
-      </p:sp>
-      <p:sp>
-        <p:nvSpPr>
-          <p:cNvPr id="17" name="Retângulo 16">
-            <a:extLst>
-              <a:ext uri="{FF2B5EF4-FFF2-40B4-BE49-F238E27FC236}">
-                <a16:creationId xmlns:a16="http://schemas.microsoft.com/office/drawing/2014/main" id="{4997F601-006F-4BC7-9604-88E30DA500D9}"/>
-              </a:ext>
-            </a:extLst>
-          </p:cNvPr>
-          <p:cNvSpPr/>
-          <p:nvPr/>
-        </p:nvSpPr>
-        <p:spPr>
-          <a:xfrm>
-            <a:off x="5683513" y="3072039"/>
-            <a:ext cx="1667358" cy="873217"/>
-          </a:xfrm>
-          <a:prstGeom prst="rect">
-            <a:avLst/>
-          </a:prstGeom>
-          <a:solidFill>
-            <a:srgbClr val="99FF99"/>
-          </a:solidFill>
-          <a:ln w="3175">
-            <a:solidFill>
-              <a:schemeClr val="bg1">
-                <a:lumMod val="85000"/>
-              </a:schemeClr>
-            </a:solidFill>
-          </a:ln>
-          <a:effectLst>
-            <a:outerShdw blurRad="25400" dist="38100" dir="5400000" algn="t" rotWithShape="0">
-              <a:schemeClr val="bg1">
-                <a:lumMod val="85000"/>
-                <a:alpha val="40000"/>
-              </a:schemeClr>
-            </a:outerShdw>
-          </a:effectLst>
-        </p:spPr>
-        <p:style>
-          <a:lnRef idx="2">
-            <a:schemeClr val="accent1">
-              <a:shade val="50000"/>
-            </a:schemeClr>
-          </a:lnRef>
-          <a:fillRef idx="1">
-            <a:schemeClr val="accent1"/>
-          </a:fillRef>
-          <a:effectRef idx="0">
-            <a:schemeClr val="accent1"/>
-          </a:effectRef>
-          <a:fontRef idx="minor">
-            <a:schemeClr val="lt1"/>
-          </a:fontRef>
-        </p:style>
-        <p:txBody>
-          <a:bodyPr rtlCol="0" anchor="ctr"/>
-          <a:lstStyle/>
-          <a:p>
-            <a:pPr algn="ctr"/>
-            <a:endParaRPr lang="pt-BR" sz="1544" dirty="0">
-              <a:solidFill>
-                <a:schemeClr val="tx1"/>
-              </a:solidFill>
-              <a:latin typeface="MV Boli" panose="02000500030200090000" pitchFamily="2" charset="0"/>
-              <a:cs typeface="MV Boli" panose="02000500030200090000" pitchFamily="2" charset="0"/>
-            </a:endParaRPr>
-          </a:p>
-        </p:txBody>
-      </p:sp>
-      <p:sp>
-        <p:nvSpPr>
-          <p:cNvPr id="21" name="Retângulo 20">
-            <a:extLst>
-              <a:ext uri="{FF2B5EF4-FFF2-40B4-BE49-F238E27FC236}">
-                <a16:creationId xmlns:a16="http://schemas.microsoft.com/office/drawing/2014/main" id="{4997F601-006F-4BC7-9604-88E30DA500D9}"/>
-              </a:ext>
-            </a:extLst>
-          </p:cNvPr>
-          <p:cNvSpPr/>
-          <p:nvPr/>
-        </p:nvSpPr>
-        <p:spPr>
-          <a:xfrm>
-            <a:off x="2367906" y="4989505"/>
-            <a:ext cx="1667358" cy="873217"/>
-          </a:xfrm>
-          <a:prstGeom prst="rect">
-            <a:avLst/>
-          </a:prstGeom>
-          <a:solidFill>
-            <a:srgbClr val="FF99CC"/>
-          </a:solidFill>
-          <a:ln>
-            <a:noFill/>
-          </a:ln>
-          <a:effectLst>
-            <a:outerShdw blurRad="25400" dist="38100" dir="5400000" algn="t" rotWithShape="0">
-              <a:schemeClr val="bg1">
-                <a:lumMod val="85000"/>
-                <a:alpha val="40000"/>
-              </a:schemeClr>
-            </a:outerShdw>
-          </a:effectLst>
-        </p:spPr>
-        <p:style>
-          <a:lnRef idx="2">
-            <a:schemeClr val="accent1">
-              <a:shade val="50000"/>
-            </a:schemeClr>
-          </a:lnRef>
-          <a:fillRef idx="1">
-            <a:schemeClr val="accent1"/>
-          </a:fillRef>
-          <a:effectRef idx="0">
-            <a:schemeClr val="accent1"/>
-          </a:effectRef>
-          <a:fontRef idx="minor">
-            <a:schemeClr val="lt1"/>
-          </a:fontRef>
-        </p:style>
-        <p:txBody>
-          <a:bodyPr rtlCol="0" anchor="ctr"/>
-          <a:lstStyle/>
-          <a:p>
-            <a:pPr algn="ctr" defTabSz="1149969"/>
-            <a:r>
-              <a:rPr lang="pt-BR" sz="1544" dirty="0">
-                <a:solidFill>
-                  <a:schemeClr val="tx1"/>
-                </a:solidFill>
-                <a:latin typeface="MV Boli" panose="02000500030200090000" pitchFamily="2" charset="0"/>
-                <a:cs typeface="MV Boli" panose="02000500030200090000" pitchFamily="2" charset="0"/>
-              </a:rPr>
-              <a:t> </a:t>
-            </a:r>
-          </a:p>
-        </p:txBody>
-      </p:sp>
-      <p:sp>
-        <p:nvSpPr>
-          <p:cNvPr id="22" name="Retângulo 21">
-            <a:extLst>
-              <a:ext uri="{FF2B5EF4-FFF2-40B4-BE49-F238E27FC236}">
-                <a16:creationId xmlns:a16="http://schemas.microsoft.com/office/drawing/2014/main" id="{4997F601-006F-4BC7-9604-88E30DA500D9}"/>
-              </a:ext>
-            </a:extLst>
-          </p:cNvPr>
-          <p:cNvSpPr/>
-          <p:nvPr/>
-        </p:nvSpPr>
-        <p:spPr>
-          <a:xfrm>
-            <a:off x="265103" y="4997214"/>
-            <a:ext cx="1667358" cy="873217"/>
-          </a:xfrm>
-          <a:prstGeom prst="rect">
-            <a:avLst/>
-          </a:prstGeom>
-          <a:solidFill>
-            <a:srgbClr val="FF99CC"/>
-          </a:solidFill>
-          <a:ln>
-            <a:noFill/>
-          </a:ln>
-          <a:effectLst>
-            <a:outerShdw blurRad="25400" dist="38100" dir="5400000" algn="t" rotWithShape="0">
-              <a:schemeClr val="bg1">
-                <a:lumMod val="85000"/>
-                <a:alpha val="40000"/>
-              </a:schemeClr>
-            </a:outerShdw>
-          </a:effectLst>
-        </p:spPr>
-        <p:style>
-          <a:lnRef idx="2">
-            <a:schemeClr val="accent1">
-              <a:shade val="50000"/>
-            </a:schemeClr>
-          </a:lnRef>
-          <a:fillRef idx="1">
-            <a:schemeClr val="accent1"/>
-          </a:fillRef>
-          <a:effectRef idx="0">
-            <a:schemeClr val="accent1"/>
-          </a:effectRef>
-          <a:fontRef idx="minor">
-            <a:schemeClr val="lt1"/>
-          </a:fontRef>
-        </p:style>
-        <p:txBody>
-          <a:bodyPr rtlCol="0" anchor="ctr"/>
-          <a:lstStyle/>
-          <a:p>
-            <a:pPr algn="ctr" defTabSz="1149969"/>
-            <a:endParaRPr lang="pt-BR" sz="1544" dirty="0">
-              <a:solidFill>
-                <a:schemeClr val="tx1"/>
-              </a:solidFill>
-              <a:latin typeface="MV Boli" panose="02000500030200090000" pitchFamily="2" charset="0"/>
-              <a:cs typeface="MV Boli" panose="02000500030200090000" pitchFamily="2" charset="0"/>
-            </a:endParaRPr>
-          </a:p>
-        </p:txBody>
-      </p:sp>
-      <p:sp>
-        <p:nvSpPr>
-          <p:cNvPr id="26" name="Retângulo 25">
-            <a:extLst>
-              <a:ext uri="{FF2B5EF4-FFF2-40B4-BE49-F238E27FC236}">
-                <a16:creationId xmlns:a16="http://schemas.microsoft.com/office/drawing/2014/main" id="{4997F601-006F-4BC7-9604-88E30DA500D9}"/>
-              </a:ext>
-            </a:extLst>
-          </p:cNvPr>
-          <p:cNvSpPr/>
-          <p:nvPr/>
-        </p:nvSpPr>
-        <p:spPr>
-          <a:xfrm>
-            <a:off x="9045395" y="1950675"/>
-            <a:ext cx="1947349" cy="873217"/>
-          </a:xfrm>
-          <a:prstGeom prst="rect">
-            <a:avLst/>
-          </a:prstGeom>
-          <a:solidFill>
-            <a:srgbClr val="FFFF99"/>
-          </a:solidFill>
-          <a:ln>
-            <a:noFill/>
-          </a:ln>
-          <a:effectLst>
-            <a:outerShdw blurRad="25400" dist="38100" dir="5400000" algn="t" rotWithShape="0">
-              <a:schemeClr val="bg1">
-                <a:lumMod val="85000"/>
-                <a:alpha val="40000"/>
-              </a:schemeClr>
-            </a:outerShdw>
-          </a:effectLst>
-        </p:spPr>
-        <p:style>
-          <a:lnRef idx="2">
-            <a:schemeClr val="accent1">
-              <a:shade val="50000"/>
-            </a:schemeClr>
-          </a:lnRef>
-          <a:fillRef idx="1">
-            <a:schemeClr val="accent1"/>
-          </a:fillRef>
-          <a:effectRef idx="0">
-            <a:schemeClr val="accent1"/>
-          </a:effectRef>
-          <a:fontRef idx="minor">
-            <a:schemeClr val="lt1"/>
-          </a:fontRef>
-        </p:style>
-        <p:txBody>
-          <a:bodyPr rtlCol="0" anchor="ctr"/>
-          <a:lstStyle/>
-          <a:p>
-            <a:pPr algn="ctr"/>
-            <a:endParaRPr lang="pt-BR" sz="1544" dirty="0">
-              <a:solidFill>
-                <a:schemeClr val="tx1"/>
-              </a:solidFill>
-              <a:latin typeface="MV Boli" panose="02000500030200090000" pitchFamily="2" charset="0"/>
-              <a:cs typeface="MV Boli" panose="02000500030200090000" pitchFamily="2" charset="0"/>
-            </a:endParaRPr>
-          </a:p>
-        </p:txBody>
-      </p:sp>
-      <p:sp>
-        <p:nvSpPr>
-          <p:cNvPr id="27" name="Retângulo 26">
-            <a:extLst>
-              <a:ext uri="{FF2B5EF4-FFF2-40B4-BE49-F238E27FC236}">
-                <a16:creationId xmlns:a16="http://schemas.microsoft.com/office/drawing/2014/main" id="{4997F601-006F-4BC7-9604-88E30DA500D9}"/>
-              </a:ext>
-            </a:extLst>
-          </p:cNvPr>
-          <p:cNvSpPr/>
-          <p:nvPr/>
-        </p:nvSpPr>
-        <p:spPr>
-          <a:xfrm>
-            <a:off x="11184720" y="1950675"/>
-            <a:ext cx="1939348" cy="873217"/>
-          </a:xfrm>
-          <a:prstGeom prst="rect">
-            <a:avLst/>
-          </a:prstGeom>
-          <a:solidFill>
-            <a:srgbClr val="FFFF99"/>
-          </a:solidFill>
-          <a:ln>
-            <a:noFill/>
-          </a:ln>
-          <a:effectLst>
-            <a:outerShdw blurRad="25400" dist="38100" dir="5400000" algn="t" rotWithShape="0">
-              <a:schemeClr val="bg1">
-                <a:lumMod val="85000"/>
-                <a:alpha val="40000"/>
-              </a:schemeClr>
-            </a:outerShdw>
-          </a:effectLst>
-        </p:spPr>
-        <p:style>
-          <a:lnRef idx="2">
-            <a:schemeClr val="accent1">
-              <a:shade val="50000"/>
-            </a:schemeClr>
-          </a:lnRef>
-          <a:fillRef idx="1">
-            <a:schemeClr val="accent1"/>
-          </a:fillRef>
-          <a:effectRef idx="0">
-            <a:schemeClr val="accent1"/>
-          </a:effectRef>
-          <a:fontRef idx="minor">
-            <a:schemeClr val="lt1"/>
-          </a:fontRef>
-        </p:style>
-        <p:txBody>
-          <a:bodyPr rtlCol="0" anchor="ctr"/>
-          <a:lstStyle/>
-          <a:p>
-            <a:pPr algn="ctr"/>
-            <a:endParaRPr lang="pt-BR" sz="1544" dirty="0">
-              <a:solidFill>
-                <a:schemeClr val="tx1"/>
-              </a:solidFill>
-              <a:latin typeface="MV Boli" panose="02000500030200090000" pitchFamily="2" charset="0"/>
-              <a:cs typeface="MV Boli" panose="02000500030200090000" pitchFamily="2" charset="0"/>
-            </a:endParaRPr>
-          </a:p>
-        </p:txBody>
-      </p:sp>
-      <p:sp>
-        <p:nvSpPr>
-          <p:cNvPr id="35" name="Retângulo 34">
-            <a:extLst>
-              <a:ext uri="{FF2B5EF4-FFF2-40B4-BE49-F238E27FC236}">
-                <a16:creationId xmlns:a16="http://schemas.microsoft.com/office/drawing/2014/main" id="{4997F601-006F-4BC7-9604-88E30DA500D9}"/>
-              </a:ext>
-            </a:extLst>
-          </p:cNvPr>
-          <p:cNvSpPr/>
-          <p:nvPr/>
-        </p:nvSpPr>
-        <p:spPr>
-          <a:xfrm>
-            <a:off x="9174675" y="4862642"/>
-            <a:ext cx="1789092" cy="873217"/>
-          </a:xfrm>
-          <a:prstGeom prst="rect">
-            <a:avLst/>
-          </a:prstGeom>
-          <a:solidFill>
-            <a:srgbClr val="00D22E"/>
-          </a:solidFill>
-          <a:ln w="3175">
-            <a:solidFill>
-              <a:schemeClr val="bg1">
-                <a:lumMod val="85000"/>
-              </a:schemeClr>
-            </a:solidFill>
-          </a:ln>
-          <a:effectLst>
-            <a:outerShdw blurRad="25400" dist="38100" dir="5400000" algn="t" rotWithShape="0">
-              <a:schemeClr val="bg1">
-                <a:lumMod val="85000"/>
-                <a:alpha val="40000"/>
-              </a:schemeClr>
-            </a:outerShdw>
-          </a:effectLst>
-        </p:spPr>
-        <p:style>
-          <a:lnRef idx="2">
-            <a:schemeClr val="accent1">
-              <a:shade val="50000"/>
-            </a:schemeClr>
-          </a:lnRef>
-          <a:fillRef idx="1">
-            <a:schemeClr val="accent1"/>
-          </a:fillRef>
-          <a:effectRef idx="0">
-            <a:schemeClr val="accent1"/>
-          </a:effectRef>
-          <a:fontRef idx="minor">
-            <a:schemeClr val="lt1"/>
-          </a:fontRef>
-        </p:style>
-        <p:txBody>
-          <a:bodyPr rtlCol="0" anchor="ctr"/>
-          <a:lstStyle/>
-          <a:p>
-            <a:pPr algn="ctr"/>
-            <a:endParaRPr lang="pt-BR" sz="1544" dirty="0">
-              <a:solidFill>
-                <a:schemeClr val="tx1"/>
-              </a:solidFill>
-              <a:latin typeface="MV Boli" panose="02000500030200090000" pitchFamily="2" charset="0"/>
-              <a:cs typeface="MV Boli" panose="02000500030200090000" pitchFamily="2" charset="0"/>
-            </a:endParaRPr>
-          </a:p>
-        </p:txBody>
-      </p:sp>
-      <p:pic>
-        <p:nvPicPr>
-          <p:cNvPr id="65" name="Picture 4" descr="Resultado de imagem para icone voltar">
-            <a:hlinkClick r:id="" action="ppaction://noaction"/>
-          </p:cNvPr>
-          <p:cNvPicPr>
-            <a:picLocks noChangeAspect="1" noChangeArrowheads="1"/>
-          </p:cNvPicPr>
-          <p:nvPr/>
-        </p:nvPicPr>
-        <p:blipFill>
-          <a:blip r:embed="rId3" cstate="print">
-            <a:duotone>
-              <a:schemeClr val="accent4">
-                <a:shade val="45000"/>
-                <a:satMod val="135000"/>
-              </a:schemeClr>
-              <a:prstClr val="white"/>
-            </a:duotone>
-            <a:extLst>
-              <a:ext uri="{28A0092B-C50C-407E-A947-70E740481C1C}">
-                <a14:useLocalDpi xmlns:a14="http://schemas.microsoft.com/office/drawing/2010/main" val="0"/>
-              </a:ext>
-            </a:extLst>
-          </a:blip>
-          <a:srcRect/>
-          <a:stretch>
-            <a:fillRect/>
-          </a:stretch>
-        </p:blipFill>
-        <p:spPr bwMode="auto">
-          <a:xfrm>
-            <a:off x="12572007" y="7149073"/>
-            <a:ext cx="353925" cy="353925"/>
-          </a:xfrm>
-          <a:prstGeom prst="rect">
-            <a:avLst/>
-          </a:prstGeom>
-          <a:noFill/>
-          <a:extLst>
-            <a:ext uri="{909E8E84-426E-40DD-AFC4-6F175D3DCCD1}">
-              <a14:hiddenFill xmlns:a14="http://schemas.microsoft.com/office/drawing/2010/main">
-                <a:solidFill>
-                  <a:srgbClr val="FFFFFF"/>
-                </a:solidFill>
-              </a14:hiddenFill>
-            </a:ext>
-          </a:extLst>
-        </p:spPr>
-      </p:pic>
-      <p:sp>
-        <p:nvSpPr>
-          <p:cNvPr id="19" name="CaixaDeTexto 18">
-            <a:extLst>
-              <a:ext uri="{FF2B5EF4-FFF2-40B4-BE49-F238E27FC236}">
-                <a16:creationId xmlns:a16="http://schemas.microsoft.com/office/drawing/2014/main" id="{2D44FDF8-805B-4552-B1AE-60198E08B07D}"/>
-              </a:ext>
-            </a:extLst>
-          </p:cNvPr>
-          <p:cNvSpPr txBox="1"/>
-          <p:nvPr/>
-        </p:nvSpPr>
-        <p:spPr>
-          <a:xfrm>
-            <a:off x="9493310" y="4318246"/>
-            <a:ext cx="2940914" cy="400110"/>
-          </a:xfrm>
-          <a:prstGeom prst="rect">
-            <a:avLst/>
-          </a:prstGeom>
-          <a:noFill/>
-        </p:spPr>
-        <p:txBody>
-          <a:bodyPr wrap="square" rtlCol="0">
-            <a:spAutoFit/>
-          </a:bodyPr>
-          <a:lstStyle/>
-          <a:p>
-            <a:r>
-              <a:rPr lang="pt-BR" sz="2000" b="1" dirty="0">
-                <a:latin typeface="MV Boli" panose="02000500030200090000" pitchFamily="2" charset="0"/>
-                <a:cs typeface="MV Boli" panose="02000500030200090000" pitchFamily="2" charset="0"/>
-              </a:rPr>
-              <a:t>Benefícios para Cliente</a:t>
-            </a:r>
-          </a:p>
-        </p:txBody>
-      </p:sp>
-      <p:sp>
-        <p:nvSpPr>
-          <p:cNvPr id="23" name="CaixaDeTexto 22">
-            <a:extLst>
-              <a:ext uri="{FF2B5EF4-FFF2-40B4-BE49-F238E27FC236}">
-                <a16:creationId xmlns:a16="http://schemas.microsoft.com/office/drawing/2014/main" id="{5F570210-B48B-4D49-A129-FC71DA8F8989}"/>
-              </a:ext>
-            </a:extLst>
-          </p:cNvPr>
-          <p:cNvSpPr txBox="1"/>
-          <p:nvPr/>
-        </p:nvSpPr>
-        <p:spPr>
-          <a:xfrm>
-            <a:off x="989896" y="4397561"/>
-            <a:ext cx="2412840" cy="400110"/>
-          </a:xfrm>
-          <a:prstGeom prst="rect">
-            <a:avLst/>
-          </a:prstGeom>
-          <a:noFill/>
-        </p:spPr>
-        <p:txBody>
-          <a:bodyPr wrap="none" rtlCol="0">
-            <a:spAutoFit/>
-          </a:bodyPr>
-          <a:lstStyle/>
-          <a:p>
-            <a:r>
-              <a:rPr lang="pt-BR" sz="2000" b="1" dirty="0">
-                <a:latin typeface="MV Boli" panose="02000500030200090000" pitchFamily="2" charset="0"/>
-                <a:cs typeface="MV Boli" panose="02000500030200090000" pitchFamily="2" charset="0"/>
-              </a:rPr>
-              <a:t>Clientes e Usuários</a:t>
-            </a:r>
-          </a:p>
-        </p:txBody>
-      </p:sp>
-      <p:sp>
-        <p:nvSpPr>
-          <p:cNvPr id="24" name="Retângulo 23">
-            <a:extLst>
-              <a:ext uri="{FF2B5EF4-FFF2-40B4-BE49-F238E27FC236}">
-                <a16:creationId xmlns:a16="http://schemas.microsoft.com/office/drawing/2014/main" id="{4988000D-F024-4396-90A2-1F866E4F5349}"/>
-              </a:ext>
-            </a:extLst>
-          </p:cNvPr>
-          <p:cNvSpPr/>
-          <p:nvPr/>
-        </p:nvSpPr>
-        <p:spPr>
-          <a:xfrm>
-            <a:off x="1387826" y="6069974"/>
-            <a:ext cx="1667358" cy="873217"/>
-          </a:xfrm>
-          <a:prstGeom prst="rect">
-            <a:avLst/>
-          </a:prstGeom>
-          <a:solidFill>
-            <a:srgbClr val="FF99CC"/>
-          </a:solidFill>
-          <a:ln>
-            <a:noFill/>
-          </a:ln>
-          <a:effectLst>
-            <a:outerShdw blurRad="25400" dist="38100" dir="5400000" algn="t" rotWithShape="0">
-              <a:schemeClr val="bg1">
-                <a:lumMod val="85000"/>
-                <a:alpha val="40000"/>
-              </a:schemeClr>
-            </a:outerShdw>
-          </a:effectLst>
-        </p:spPr>
-        <p:style>
-          <a:lnRef idx="2">
-            <a:schemeClr val="accent1">
-              <a:shade val="50000"/>
-            </a:schemeClr>
-          </a:lnRef>
-          <a:fillRef idx="1">
-            <a:schemeClr val="accent1"/>
-          </a:fillRef>
-          <a:effectRef idx="0">
-            <a:schemeClr val="accent1"/>
-          </a:effectRef>
-          <a:fontRef idx="minor">
-            <a:schemeClr val="lt1"/>
-          </a:fontRef>
-        </p:style>
-        <p:txBody>
-          <a:bodyPr rtlCol="0" anchor="ctr"/>
-          <a:lstStyle/>
-          <a:p>
-            <a:pPr algn="ctr" defTabSz="1149969"/>
-            <a:r>
-              <a:rPr lang="pt-BR" sz="1544" dirty="0">
-                <a:solidFill>
-                  <a:schemeClr val="tx1"/>
-                </a:solidFill>
-                <a:latin typeface="MV Boli" panose="02000500030200090000" pitchFamily="2" charset="0"/>
-                <a:cs typeface="MV Boli" panose="02000500030200090000" pitchFamily="2" charset="0"/>
-              </a:rPr>
-              <a:t> </a:t>
-            </a:r>
-          </a:p>
-        </p:txBody>
-      </p:sp>
-      <p:sp>
-        <p:nvSpPr>
-          <p:cNvPr id="25" name="Retângulo 24">
-            <a:extLst>
-              <a:ext uri="{FF2B5EF4-FFF2-40B4-BE49-F238E27FC236}">
-                <a16:creationId xmlns:a16="http://schemas.microsoft.com/office/drawing/2014/main" id="{173E3CDC-9522-48A9-96B8-8245E4E22DE0}"/>
-              </a:ext>
-            </a:extLst>
-          </p:cNvPr>
-          <p:cNvSpPr/>
-          <p:nvPr/>
-        </p:nvSpPr>
-        <p:spPr>
-          <a:xfrm>
-            <a:off x="5686344" y="4263863"/>
-            <a:ext cx="1667358" cy="873217"/>
-          </a:xfrm>
-          <a:prstGeom prst="rect">
-            <a:avLst/>
-          </a:prstGeom>
-          <a:solidFill>
-            <a:srgbClr val="99FF99"/>
-          </a:solidFill>
-          <a:ln w="3175">
-            <a:solidFill>
-              <a:schemeClr val="bg1">
-                <a:lumMod val="85000"/>
-              </a:schemeClr>
-            </a:solidFill>
-          </a:ln>
-          <a:effectLst>
-            <a:outerShdw blurRad="25400" dist="38100" dir="5400000" algn="t" rotWithShape="0">
-              <a:schemeClr val="bg1">
-                <a:lumMod val="85000"/>
-                <a:alpha val="40000"/>
-              </a:schemeClr>
-            </a:outerShdw>
-          </a:effectLst>
-        </p:spPr>
-        <p:style>
-          <a:lnRef idx="2">
-            <a:schemeClr val="accent1">
-              <a:shade val="50000"/>
-            </a:schemeClr>
-          </a:lnRef>
-          <a:fillRef idx="1">
-            <a:schemeClr val="accent1"/>
-          </a:fillRef>
-          <a:effectRef idx="0">
-            <a:schemeClr val="accent1"/>
-          </a:effectRef>
-          <a:fontRef idx="minor">
-            <a:schemeClr val="lt1"/>
-          </a:fontRef>
-        </p:style>
-        <p:txBody>
-          <a:bodyPr rtlCol="0" anchor="ctr"/>
-          <a:lstStyle/>
-          <a:p>
-            <a:pPr algn="ctr"/>
-            <a:endParaRPr lang="pt-BR" sz="1544" dirty="0">
-              <a:solidFill>
-                <a:schemeClr val="tx1"/>
-              </a:solidFill>
-              <a:latin typeface="MV Boli" panose="02000500030200090000" pitchFamily="2" charset="0"/>
-              <a:cs typeface="MV Boli" panose="02000500030200090000" pitchFamily="2" charset="0"/>
-            </a:endParaRPr>
-          </a:p>
-        </p:txBody>
-      </p:sp>
-      <p:sp>
-        <p:nvSpPr>
-          <p:cNvPr id="28" name="Retângulo 27">
-            <a:extLst>
-              <a:ext uri="{FF2B5EF4-FFF2-40B4-BE49-F238E27FC236}">
-                <a16:creationId xmlns:a16="http://schemas.microsoft.com/office/drawing/2014/main" id="{4ECF1DAB-4058-4850-B504-211B79E24011}"/>
-              </a:ext>
-            </a:extLst>
-          </p:cNvPr>
-          <p:cNvSpPr/>
-          <p:nvPr/>
-        </p:nvSpPr>
-        <p:spPr>
-          <a:xfrm>
-            <a:off x="5701185" y="5537418"/>
-            <a:ext cx="1667358" cy="873217"/>
-          </a:xfrm>
-          <a:prstGeom prst="rect">
-            <a:avLst/>
-          </a:prstGeom>
-          <a:solidFill>
-            <a:srgbClr val="99FF99"/>
-          </a:solidFill>
-          <a:ln w="3175">
-            <a:solidFill>
-              <a:schemeClr val="bg1">
-                <a:lumMod val="85000"/>
-              </a:schemeClr>
-            </a:solidFill>
-          </a:ln>
-          <a:effectLst>
-            <a:outerShdw blurRad="25400" dist="38100" dir="5400000" algn="t" rotWithShape="0">
-              <a:schemeClr val="bg1">
-                <a:lumMod val="85000"/>
-                <a:alpha val="40000"/>
-              </a:schemeClr>
-            </a:outerShdw>
-          </a:effectLst>
-        </p:spPr>
-        <p:style>
-          <a:lnRef idx="2">
-            <a:schemeClr val="accent1">
-              <a:shade val="50000"/>
-            </a:schemeClr>
-          </a:lnRef>
-          <a:fillRef idx="1">
-            <a:schemeClr val="accent1"/>
-          </a:fillRef>
-          <a:effectRef idx="0">
-            <a:schemeClr val="accent1"/>
-          </a:effectRef>
-          <a:fontRef idx="minor">
-            <a:schemeClr val="lt1"/>
-          </a:fontRef>
-        </p:style>
-        <p:txBody>
-          <a:bodyPr rtlCol="0" anchor="ctr"/>
-          <a:lstStyle/>
-          <a:p>
-            <a:pPr algn="ctr"/>
-            <a:endParaRPr lang="pt-BR" sz="1544" dirty="0">
-              <a:solidFill>
-                <a:schemeClr val="tx1"/>
-              </a:solidFill>
-              <a:latin typeface="MV Boli" panose="02000500030200090000" pitchFamily="2" charset="0"/>
-              <a:cs typeface="MV Boli" panose="02000500030200090000" pitchFamily="2" charset="0"/>
-            </a:endParaRPr>
-          </a:p>
-        </p:txBody>
-      </p:sp>
-      <p:sp>
-        <p:nvSpPr>
-          <p:cNvPr id="29" name="Retângulo 28">
-            <a:extLst>
-              <a:ext uri="{FF2B5EF4-FFF2-40B4-BE49-F238E27FC236}">
-                <a16:creationId xmlns:a16="http://schemas.microsoft.com/office/drawing/2014/main" id="{368534B7-DB0B-4876-8027-4FDE1ED2C74E}"/>
-              </a:ext>
-            </a:extLst>
-          </p:cNvPr>
-          <p:cNvSpPr/>
-          <p:nvPr/>
-        </p:nvSpPr>
-        <p:spPr>
-          <a:xfrm>
-            <a:off x="10106172" y="3117515"/>
-            <a:ext cx="1939348" cy="873217"/>
-          </a:xfrm>
-          <a:prstGeom prst="rect">
-            <a:avLst/>
-          </a:prstGeom>
-          <a:solidFill>
-            <a:srgbClr val="FFFF99"/>
-          </a:solidFill>
-          <a:ln>
-            <a:noFill/>
-          </a:ln>
-          <a:effectLst>
-            <a:outerShdw blurRad="25400" dist="38100" dir="5400000" algn="t" rotWithShape="0">
-              <a:schemeClr val="bg1">
-                <a:lumMod val="85000"/>
-                <a:alpha val="40000"/>
-              </a:schemeClr>
-            </a:outerShdw>
-          </a:effectLst>
-        </p:spPr>
-        <p:style>
-          <a:lnRef idx="2">
-            <a:schemeClr val="accent1">
-              <a:shade val="50000"/>
-            </a:schemeClr>
-          </a:lnRef>
-          <a:fillRef idx="1">
-            <a:schemeClr val="accent1"/>
-          </a:fillRef>
-          <a:effectRef idx="0">
-            <a:schemeClr val="accent1"/>
-          </a:effectRef>
-          <a:fontRef idx="minor">
-            <a:schemeClr val="lt1"/>
-          </a:fontRef>
-        </p:style>
-        <p:txBody>
-          <a:bodyPr rtlCol="0" anchor="ctr"/>
-          <a:lstStyle/>
-          <a:p>
-            <a:pPr algn="ctr"/>
-            <a:endParaRPr lang="pt-BR" sz="1544" dirty="0">
-              <a:solidFill>
-                <a:schemeClr val="tx1"/>
-              </a:solidFill>
-              <a:latin typeface="MV Boli" panose="02000500030200090000" pitchFamily="2" charset="0"/>
-              <a:cs typeface="MV Boli" panose="02000500030200090000" pitchFamily="2" charset="0"/>
-            </a:endParaRPr>
-          </a:p>
-        </p:txBody>
-      </p:sp>
-      <p:sp>
-        <p:nvSpPr>
-          <p:cNvPr id="30" name="Retângulo 29">
-            <a:extLst>
-              <a:ext uri="{FF2B5EF4-FFF2-40B4-BE49-F238E27FC236}">
-                <a16:creationId xmlns:a16="http://schemas.microsoft.com/office/drawing/2014/main" id="{2A4BE17C-C178-472A-9845-E41905B09AD4}"/>
-              </a:ext>
-            </a:extLst>
-          </p:cNvPr>
-          <p:cNvSpPr/>
-          <p:nvPr/>
-        </p:nvSpPr>
-        <p:spPr>
-          <a:xfrm>
-            <a:off x="11184720" y="4880061"/>
-            <a:ext cx="1789092" cy="873217"/>
-          </a:xfrm>
-          <a:prstGeom prst="rect">
-            <a:avLst/>
-          </a:prstGeom>
-          <a:solidFill>
-            <a:srgbClr val="00D22E"/>
-          </a:solidFill>
-          <a:ln w="3175">
-            <a:solidFill>
-              <a:schemeClr val="bg1">
-                <a:lumMod val="85000"/>
-              </a:schemeClr>
-            </a:solidFill>
-          </a:ln>
-          <a:effectLst>
-            <a:outerShdw blurRad="25400" dist="38100" dir="5400000" algn="t" rotWithShape="0">
-              <a:schemeClr val="bg1">
-                <a:lumMod val="85000"/>
-                <a:alpha val="40000"/>
-              </a:schemeClr>
-            </a:outerShdw>
-          </a:effectLst>
-        </p:spPr>
-        <p:style>
-          <a:lnRef idx="2">
-            <a:schemeClr val="accent1">
-              <a:shade val="50000"/>
-            </a:schemeClr>
-          </a:lnRef>
-          <a:fillRef idx="1">
-            <a:schemeClr val="accent1"/>
-          </a:fillRef>
-          <a:effectRef idx="0">
-            <a:schemeClr val="accent1"/>
-          </a:effectRef>
-          <a:fontRef idx="minor">
-            <a:schemeClr val="lt1"/>
-          </a:fontRef>
-        </p:style>
-        <p:txBody>
-          <a:bodyPr rtlCol="0" anchor="ctr"/>
-          <a:lstStyle/>
-          <a:p>
-            <a:pPr algn="ctr"/>
-            <a:endParaRPr lang="pt-BR" sz="1544" dirty="0">
-              <a:solidFill>
-                <a:schemeClr val="tx1"/>
-              </a:solidFill>
-              <a:latin typeface="MV Boli" panose="02000500030200090000" pitchFamily="2" charset="0"/>
-              <a:cs typeface="MV Boli" panose="02000500030200090000" pitchFamily="2" charset="0"/>
-            </a:endParaRPr>
-          </a:p>
-        </p:txBody>
-      </p:sp>
-      <p:sp>
-        <p:nvSpPr>
-          <p:cNvPr id="31" name="Retângulo 30">
-            <a:extLst>
-              <a:ext uri="{FF2B5EF4-FFF2-40B4-BE49-F238E27FC236}">
-                <a16:creationId xmlns:a16="http://schemas.microsoft.com/office/drawing/2014/main" id="{C1412E90-754B-4EB8-AA44-BD5386416208}"/>
-              </a:ext>
-            </a:extLst>
-          </p:cNvPr>
-          <p:cNvSpPr/>
-          <p:nvPr/>
-        </p:nvSpPr>
-        <p:spPr>
-          <a:xfrm>
-            <a:off x="10290174" y="6008318"/>
-            <a:ext cx="1789092" cy="873217"/>
-          </a:xfrm>
-          <a:prstGeom prst="rect">
-            <a:avLst/>
-          </a:prstGeom>
-          <a:solidFill>
-            <a:srgbClr val="00D22E"/>
-          </a:solidFill>
-          <a:ln w="3175">
-            <a:solidFill>
-              <a:schemeClr val="bg1">
-                <a:lumMod val="85000"/>
-              </a:schemeClr>
-            </a:solidFill>
-          </a:ln>
-          <a:effectLst>
-            <a:outerShdw blurRad="25400" dist="38100" dir="5400000" algn="t" rotWithShape="0">
-              <a:schemeClr val="bg1">
-                <a:lumMod val="85000"/>
-                <a:alpha val="40000"/>
-              </a:schemeClr>
-            </a:outerShdw>
-          </a:effectLst>
-        </p:spPr>
-        <p:style>
-          <a:lnRef idx="2">
-            <a:schemeClr val="accent1">
-              <a:shade val="50000"/>
-            </a:schemeClr>
-          </a:lnRef>
-          <a:fillRef idx="1">
-            <a:schemeClr val="accent1"/>
-          </a:fillRef>
-          <a:effectRef idx="0">
-            <a:schemeClr val="accent1"/>
-          </a:effectRef>
-          <a:fontRef idx="minor">
-            <a:schemeClr val="lt1"/>
-          </a:fontRef>
-        </p:style>
-        <p:txBody>
-          <a:bodyPr rtlCol="0" anchor="ctr"/>
-          <a:lstStyle/>
-          <a:p>
-            <a:pPr algn="ctr"/>
-            <a:endParaRPr lang="pt-BR" sz="1544" dirty="0">
-              <a:solidFill>
-                <a:schemeClr val="tx1"/>
-              </a:solidFill>
-              <a:latin typeface="MV Boli" panose="02000500030200090000" pitchFamily="2" charset="0"/>
-              <a:cs typeface="MV Boli" panose="02000500030200090000" pitchFamily="2" charset="0"/>
-            </a:endParaRPr>
-          </a:p>
-        </p:txBody>
-      </p:sp>
-    </p:spTree>
-    <p:extLst>
-      <p:ext uri="{BB962C8B-B14F-4D97-AF65-F5344CB8AC3E}">
-        <p14:creationId xmlns:p14="http://schemas.microsoft.com/office/powerpoint/2010/main" val="220032209"/>
-      </p:ext>
-    </p:extLst>
-  </p:cSld>
-  <p:clrMapOvr>
-    <a:masterClrMapping/>
-  </p:clrMapOvr>
-</p:sld>
-</file>
-
-<file path=ppt/slides/slide2.xml><?xml version="1.0" encoding="utf-8"?>
-<p:sld xmlns:a="http://schemas.openxmlformats.org/drawingml/2006/main" xmlns:r="http://schemas.openxmlformats.org/officeDocument/2006/relationships" xmlns:p="http://schemas.openxmlformats.org/presentationml/2006/main">
-  <p:cSld>
-    <p:spTree>
-      <p:nvGrpSpPr>
-        <p:cNvPr id="1" name=""/>
-        <p:cNvGrpSpPr/>
-        <p:nvPr/>
-      </p:nvGrpSpPr>
-      <p:grpSpPr>
-        <a:xfrm>
-          <a:off x="0" y="0"/>
-          <a:ext cx="0" cy="0"/>
-          <a:chOff x="0" y="0"/>
-          <a:chExt cx="0" cy="0"/>
-        </a:xfrm>
-      </p:grpSpPr>
-      <p:sp>
-        <p:nvSpPr>
-          <p:cNvPr id="12" name="Título 5"/>
-          <p:cNvSpPr txBox="1">
-            <a:spLocks/>
-          </p:cNvSpPr>
-          <p:nvPr/>
-        </p:nvSpPr>
-        <p:spPr>
-          <a:xfrm>
-            <a:off x="282944" y="186348"/>
-            <a:ext cx="10836482" cy="1252138"/>
-          </a:xfrm>
-          <a:prstGeom prst="rect">
-            <a:avLst/>
-          </a:prstGeom>
-        </p:spPr>
-        <p:txBody>
-          <a:bodyPr/>
-          <a:lstStyle>
-            <a:lvl1pPr algn="l" defTabSz="914400" rtl="0" eaLnBrk="1" latinLnBrk="0" hangingPunct="1">
-              <a:lnSpc>
-                <a:spcPct val="90000"/>
-              </a:lnSpc>
-              <a:spcBef>
-                <a:spcPct val="0"/>
-              </a:spcBef>
-              <a:buNone/>
-              <a:defRPr sz="4400" kern="1200">
-                <a:solidFill>
-                  <a:schemeClr val="tx1"/>
-                </a:solidFill>
-                <a:latin typeface="+mj-lt"/>
-                <a:ea typeface="+mj-ea"/>
-                <a:cs typeface="+mj-cs"/>
-              </a:defRPr>
-            </a:lvl1pPr>
-          </a:lstStyle>
-          <a:p>
-            <a:pPr>
-              <a:lnSpc>
-                <a:spcPct val="100000"/>
-              </a:lnSpc>
-              <a:spcAft>
-                <a:spcPts val="662"/>
-              </a:spcAft>
-            </a:pPr>
-            <a:r>
-              <a:rPr lang="pt-BR" sz="3087" dirty="0">
-                <a:solidFill>
-                  <a:schemeClr val="tx1">
-                    <a:lumMod val="75000"/>
-                    <a:lumOff val="25000"/>
-                  </a:schemeClr>
-                </a:solidFill>
-                <a:latin typeface="Simplon BP Regular" pitchFamily="2" charset="0"/>
-              </a:rPr>
-              <a:t>Solução – </a:t>
-            </a:r>
-            <a:r>
-              <a:rPr lang="pt-BR" sz="3087" dirty="0" err="1">
-                <a:solidFill>
-                  <a:schemeClr val="tx1">
-                    <a:lumMod val="75000"/>
-                    <a:lumOff val="25000"/>
-                  </a:schemeClr>
-                </a:solidFill>
-                <a:latin typeface="Simplon BP Regular" pitchFamily="2" charset="0"/>
-              </a:rPr>
-              <a:t>Bandtec</a:t>
-            </a:r>
-            <a:r>
-              <a:rPr lang="pt-BR" sz="3087" dirty="0">
-                <a:solidFill>
-                  <a:schemeClr val="tx1">
-                    <a:lumMod val="75000"/>
-                    <a:lumOff val="25000"/>
-                  </a:schemeClr>
-                </a:solidFill>
-                <a:latin typeface="Simplon BP Regular" pitchFamily="2" charset="0"/>
-              </a:rPr>
-              <a:t> </a:t>
-            </a:r>
-          </a:p>
-        </p:txBody>
-      </p:sp>
-      <p:sp>
-        <p:nvSpPr>
-          <p:cNvPr id="7" name="Espaço Reservado para Número de Slide 6"/>
-          <p:cNvSpPr>
-            <a:spLocks noGrp="1"/>
-          </p:cNvSpPr>
-          <p:nvPr>
-            <p:ph type="sldNum" sz="quarter" idx="4"/>
-          </p:nvPr>
-        </p:nvSpPr>
-        <p:spPr/>
-        <p:txBody>
-          <a:bodyPr/>
-          <a:lstStyle/>
-          <a:p>
-            <a:fld id="{BC7BA7F7-9ECA-4650-BA2A-F44574574266}" type="slidenum">
-              <a:rPr lang="pt-BR" smtClean="0"/>
-              <a:pPr/>
-              <a:t>2</a:t>
-            </a:fld>
-            <a:endParaRPr lang="pt-BR" dirty="0"/>
-          </a:p>
-        </p:txBody>
-      </p:sp>
-      <p:cxnSp>
-        <p:nvCxnSpPr>
-          <p:cNvPr id="4" name="Conector reto 3"/>
-          <p:cNvCxnSpPr/>
-          <p:nvPr/>
-        </p:nvCxnSpPr>
-        <p:spPr>
-          <a:xfrm flipH="1">
-            <a:off x="4417219" y="1692399"/>
-            <a:ext cx="0" cy="4643925"/>
-          </a:xfrm>
-          <a:prstGeom prst="line">
-            <a:avLst/>
-          </a:prstGeom>
-          <a:ln w="38100">
-            <a:solidFill>
-              <a:schemeClr val="tx1"/>
-            </a:solidFill>
-          </a:ln>
-        </p:spPr>
-        <p:style>
-          <a:lnRef idx="1">
-            <a:schemeClr val="accent1"/>
-          </a:lnRef>
-          <a:fillRef idx="0">
-            <a:schemeClr val="accent1"/>
-          </a:fillRef>
-          <a:effectRef idx="0">
-            <a:schemeClr val="accent1"/>
-          </a:effectRef>
-          <a:fontRef idx="minor">
-            <a:schemeClr val="tx1"/>
-          </a:fontRef>
-        </p:style>
-      </p:cxnSp>
-      <p:cxnSp>
-        <p:nvCxnSpPr>
-          <p:cNvPr id="5" name="Conector reto 4"/>
-          <p:cNvCxnSpPr/>
-          <p:nvPr/>
-        </p:nvCxnSpPr>
-        <p:spPr>
-          <a:xfrm flipH="1">
-            <a:off x="8653522" y="1627248"/>
-            <a:ext cx="8001" cy="4783387"/>
-          </a:xfrm>
-          <a:prstGeom prst="line">
-            <a:avLst/>
-          </a:prstGeom>
-          <a:ln w="38100">
-            <a:solidFill>
-              <a:schemeClr val="tx1"/>
-            </a:solidFill>
-          </a:ln>
-        </p:spPr>
-        <p:style>
-          <a:lnRef idx="1">
-            <a:schemeClr val="accent1"/>
-          </a:lnRef>
-          <a:fillRef idx="0">
-            <a:schemeClr val="accent1"/>
-          </a:fillRef>
-          <a:effectRef idx="0">
-            <a:schemeClr val="accent1"/>
-          </a:effectRef>
-          <a:fontRef idx="minor">
-            <a:schemeClr val="tx1"/>
-          </a:fontRef>
-        </p:style>
-      </p:cxnSp>
-      <p:sp>
-        <p:nvSpPr>
-          <p:cNvPr id="6" name="CaixaDeTexto 5"/>
-          <p:cNvSpPr txBox="1"/>
-          <p:nvPr/>
-        </p:nvSpPr>
-        <p:spPr>
-          <a:xfrm>
-            <a:off x="1073140" y="1166514"/>
-            <a:ext cx="2371162" cy="400110"/>
-          </a:xfrm>
-          <a:prstGeom prst="rect">
-            <a:avLst/>
-          </a:prstGeom>
-          <a:noFill/>
-        </p:spPr>
-        <p:txBody>
-          <a:bodyPr wrap="none" rtlCol="0">
-            <a:spAutoFit/>
-          </a:bodyPr>
-          <a:lstStyle/>
-          <a:p>
-            <a:r>
-              <a:rPr lang="pt-BR" sz="2000" b="1" dirty="0">
-                <a:latin typeface="MV Boli" panose="02000500030200090000" pitchFamily="2" charset="0"/>
-                <a:cs typeface="MV Boli" panose="02000500030200090000" pitchFamily="2" charset="0"/>
-              </a:rPr>
-              <a:t>Tarefa Identificada</a:t>
-            </a:r>
-          </a:p>
-        </p:txBody>
-      </p:sp>
-      <p:sp>
-        <p:nvSpPr>
-          <p:cNvPr id="8" name="CaixaDeTexto 7"/>
-          <p:cNvSpPr txBox="1"/>
-          <p:nvPr/>
-        </p:nvSpPr>
-        <p:spPr>
-          <a:xfrm>
-            <a:off x="4918037" y="1044326"/>
-            <a:ext cx="3198311" cy="567399"/>
-          </a:xfrm>
-          <a:prstGeom prst="rect">
-            <a:avLst/>
-          </a:prstGeom>
-          <a:noFill/>
-        </p:spPr>
-        <p:txBody>
-          <a:bodyPr wrap="none" rtlCol="0">
-            <a:spAutoFit/>
-          </a:bodyPr>
-          <a:lstStyle/>
-          <a:p>
-            <a:r>
-              <a:rPr lang="pt-BR" sz="3087" b="1" dirty="0">
-                <a:latin typeface="MV Boli" panose="02000500030200090000" pitchFamily="2" charset="0"/>
-                <a:cs typeface="MV Boli" panose="02000500030200090000" pitchFamily="2" charset="0"/>
-              </a:rPr>
-              <a:t>Ideias e Soluções</a:t>
-            </a:r>
-          </a:p>
-        </p:txBody>
-      </p:sp>
-      <p:sp>
-        <p:nvSpPr>
-          <p:cNvPr id="9" name="CaixaDeTexto 8"/>
-          <p:cNvSpPr txBox="1"/>
-          <p:nvPr/>
-        </p:nvSpPr>
-        <p:spPr>
-          <a:xfrm>
-            <a:off x="9415145" y="1044326"/>
-            <a:ext cx="2940914" cy="400110"/>
-          </a:xfrm>
-          <a:prstGeom prst="rect">
-            <a:avLst/>
-          </a:prstGeom>
-          <a:noFill/>
-        </p:spPr>
-        <p:txBody>
-          <a:bodyPr wrap="square" rtlCol="0">
-            <a:spAutoFit/>
-          </a:bodyPr>
-          <a:lstStyle/>
-          <a:p>
-            <a:r>
-              <a:rPr lang="pt-BR" sz="2000" b="1" dirty="0">
-                <a:latin typeface="MV Boli" panose="02000500030200090000" pitchFamily="2" charset="0"/>
-                <a:cs typeface="MV Boli" panose="02000500030200090000" pitchFamily="2" charset="0"/>
-              </a:rPr>
-              <a:t>Benefícios para Negócio</a:t>
-            </a:r>
-          </a:p>
-        </p:txBody>
-      </p:sp>
-      <p:sp>
-        <p:nvSpPr>
-          <p:cNvPr id="11" name="Retângulo 10">
-            <a:extLst>
-              <a:ext uri="{FF2B5EF4-FFF2-40B4-BE49-F238E27FC236}">
-                <a16:creationId xmlns:a16="http://schemas.microsoft.com/office/drawing/2014/main" id="{4997F601-006F-4BC7-9604-88E30DA500D9}"/>
-              </a:ext>
-            </a:extLst>
-          </p:cNvPr>
-          <p:cNvSpPr/>
-          <p:nvPr/>
-        </p:nvSpPr>
-        <p:spPr>
-          <a:xfrm>
-            <a:off x="1362637" y="1837568"/>
-            <a:ext cx="1667358" cy="873217"/>
-          </a:xfrm>
-          <a:prstGeom prst="rect">
-            <a:avLst/>
-          </a:prstGeom>
-          <a:solidFill>
-            <a:srgbClr val="FFC000"/>
-          </a:solidFill>
-          <a:ln>
-            <a:noFill/>
-          </a:ln>
-          <a:effectLst>
-            <a:outerShdw blurRad="25400" dist="38100" dir="5400000" algn="t" rotWithShape="0">
-              <a:schemeClr val="bg1">
-                <a:lumMod val="85000"/>
-                <a:alpha val="40000"/>
-              </a:schemeClr>
-            </a:outerShdw>
-          </a:effectLst>
-        </p:spPr>
-        <p:style>
-          <a:lnRef idx="2">
-            <a:schemeClr val="accent1">
-              <a:shade val="50000"/>
-            </a:schemeClr>
-          </a:lnRef>
-          <a:fillRef idx="1">
-            <a:schemeClr val="accent1"/>
-          </a:fillRef>
-          <a:effectRef idx="0">
-            <a:schemeClr val="accent1"/>
-          </a:effectRef>
-          <a:fontRef idx="minor">
-            <a:schemeClr val="lt1"/>
-          </a:fontRef>
-        </p:style>
-        <p:txBody>
-          <a:bodyPr rtlCol="0" anchor="ctr"/>
-          <a:lstStyle/>
-          <a:p>
-            <a:pPr algn="ctr" defTabSz="1149969"/>
-            <a:r>
-              <a:rPr lang="pt-BR" sz="1544" dirty="0">
-                <a:solidFill>
-                  <a:schemeClr val="tx1"/>
-                </a:solidFill>
-                <a:latin typeface="MV Boli" panose="02000500030200090000" pitchFamily="2" charset="0"/>
-                <a:cs typeface="MV Boli" panose="02000500030200090000" pitchFamily="2" charset="0"/>
-              </a:rPr>
-              <a:t>Layout de avisos</a:t>
+              <a:t>Dificuldades em formar Pools</a:t>
             </a:r>
           </a:p>
         </p:txBody>
@@ -10094,7 +8550,7 @@
                 <a:latin typeface="MV Boli" panose="02000500030200090000" pitchFamily="2" charset="0"/>
                 <a:cs typeface="MV Boli" panose="02000500030200090000" pitchFamily="2" charset="0"/>
               </a:rPr>
-              <a:t>UX </a:t>
+              <a:t> Custos altos com mineração</a:t>
             </a:r>
           </a:p>
         </p:txBody>
@@ -10167,7 +8623,7 @@
                 <a:latin typeface="MV Boli" panose="02000500030200090000" pitchFamily="2" charset="0"/>
                 <a:cs typeface="MV Boli" panose="02000500030200090000" pitchFamily="2" charset="0"/>
               </a:rPr>
-              <a:t>Atualização em tempo real dos avisos    </a:t>
+              <a:t>Monitoramento de mineração</a:t>
             </a:r>
           </a:p>
         </p:txBody>
@@ -10240,7 +8696,7 @@
                 <a:latin typeface="MV Boli" panose="02000500030200090000" pitchFamily="2" charset="0"/>
                 <a:cs typeface="MV Boli" panose="02000500030200090000" pitchFamily="2" charset="0"/>
               </a:rPr>
-              <a:t>Notificação quanto as atividades e boletos </a:t>
+              <a:t>Incentivo ao investimento na criptomoeda</a:t>
             </a:r>
           </a:p>
         </p:txBody>
@@ -10309,7 +8765,7 @@
                 <a:latin typeface="MV Boli" panose="02000500030200090000" pitchFamily="2" charset="0"/>
                 <a:cs typeface="MV Boli" panose="02000500030200090000" pitchFamily="2" charset="0"/>
               </a:rPr>
-              <a:t>Professores </a:t>
+              <a:t>Investidores </a:t>
             </a:r>
           </a:p>
         </p:txBody>
@@ -10378,7 +8834,7 @@
                 <a:latin typeface="MV Boli" panose="02000500030200090000" pitchFamily="2" charset="0"/>
                 <a:cs typeface="MV Boli" panose="02000500030200090000" pitchFamily="2" charset="0"/>
               </a:rPr>
-              <a:t>Alunos</a:t>
+              <a:t>Mineradores</a:t>
             </a:r>
           </a:p>
         </p:txBody>
@@ -10447,7 +8903,7 @@
                 <a:latin typeface="MV Boli" panose="02000500030200090000" pitchFamily="2" charset="0"/>
                 <a:cs typeface="MV Boli" panose="02000500030200090000" pitchFamily="2" charset="0"/>
               </a:rPr>
-              <a:t>Otimização do tempo da secretaria</a:t>
+              <a:t>Manipulação de dados </a:t>
             </a:r>
           </a:p>
         </p:txBody>
@@ -10516,7 +8972,7 @@
                 <a:latin typeface="MV Boli" panose="02000500030200090000" pitchFamily="2" charset="0"/>
                 <a:cs typeface="MV Boli" panose="02000500030200090000" pitchFamily="2" charset="0"/>
               </a:rPr>
-              <a:t>Secretária poderá se dedicar a outras atividades</a:t>
+              <a:t>Ampliar a comunidade mineradora</a:t>
             </a:r>
           </a:p>
         </p:txBody>
@@ -10589,7 +9045,7 @@
                 <a:latin typeface="MV Boli" panose="02000500030200090000" pitchFamily="2" charset="0"/>
                 <a:cs typeface="MV Boli" panose="02000500030200090000" pitchFamily="2" charset="0"/>
               </a:rPr>
-              <a:t>Adesão ao App</a:t>
+              <a:t>Segurança ao minerador</a:t>
             </a:r>
           </a:p>
         </p:txBody>
@@ -10722,75 +9178,6 @@
       </p:sp>
       <p:sp>
         <p:nvSpPr>
-          <p:cNvPr id="24" name="Retângulo 23">
-            <a:extLst>
-              <a:ext uri="{FF2B5EF4-FFF2-40B4-BE49-F238E27FC236}">
-                <a16:creationId xmlns:a16="http://schemas.microsoft.com/office/drawing/2014/main" id="{4988000D-F024-4396-90A2-1F866E4F5349}"/>
-              </a:ext>
-            </a:extLst>
-          </p:cNvPr>
-          <p:cNvSpPr/>
-          <p:nvPr/>
-        </p:nvSpPr>
-        <p:spPr>
-          <a:xfrm>
-            <a:off x="1387826" y="6069974"/>
-            <a:ext cx="1667358" cy="873217"/>
-          </a:xfrm>
-          <a:prstGeom prst="rect">
-            <a:avLst/>
-          </a:prstGeom>
-          <a:solidFill>
-            <a:srgbClr val="FF99CC"/>
-          </a:solidFill>
-          <a:ln>
-            <a:noFill/>
-          </a:ln>
-          <a:effectLst>
-            <a:outerShdw blurRad="25400" dist="38100" dir="5400000" algn="t" rotWithShape="0">
-              <a:schemeClr val="bg1">
-                <a:lumMod val="85000"/>
-                <a:alpha val="40000"/>
-              </a:schemeClr>
-            </a:outerShdw>
-          </a:effectLst>
-        </p:spPr>
-        <p:style>
-          <a:lnRef idx="2">
-            <a:schemeClr val="accent1">
-              <a:shade val="50000"/>
-            </a:schemeClr>
-          </a:lnRef>
-          <a:fillRef idx="1">
-            <a:schemeClr val="accent1"/>
-          </a:fillRef>
-          <a:effectRef idx="0">
-            <a:schemeClr val="accent1"/>
-          </a:effectRef>
-          <a:fontRef idx="minor">
-            <a:schemeClr val="lt1"/>
-          </a:fontRef>
-        </p:style>
-        <p:txBody>
-          <a:bodyPr rtlCol="0" anchor="ctr"/>
-          <a:lstStyle/>
-          <a:p>
-            <a:pPr algn="ctr" defTabSz="1149969"/>
-            <a:r>
-              <a:rPr lang="pt-BR" sz="1544" dirty="0">
-                <a:solidFill>
-                  <a:schemeClr val="tx1"/>
-                </a:solidFill>
-                <a:latin typeface="MV Boli" panose="02000500030200090000" pitchFamily="2" charset="0"/>
-                <a:cs typeface="MV Boli" panose="02000500030200090000" pitchFamily="2" charset="0"/>
-              </a:rPr>
-              <a:t>Secretaria </a:t>
-            </a:r>
-          </a:p>
-        </p:txBody>
-      </p:sp>
-      <p:sp>
-        <p:nvSpPr>
           <p:cNvPr id="25" name="Retângulo 24">
             <a:extLst>
               <a:ext uri="{FF2B5EF4-FFF2-40B4-BE49-F238E27FC236}">
@@ -10857,7 +9244,7 @@
                 <a:latin typeface="MV Boli" panose="02000500030200090000" pitchFamily="2" charset="0"/>
                 <a:cs typeface="MV Boli" panose="02000500030200090000" pitchFamily="2" charset="0"/>
               </a:rPr>
-              <a:t>Service-</a:t>
+              <a:t>Aplicação de </a:t>
             </a:r>
             <a:r>
               <a:rPr lang="pt-BR" sz="1544" dirty="0" err="1">
@@ -10867,7 +9254,7 @@
                 <a:latin typeface="MV Boli" panose="02000500030200090000" pitchFamily="2" charset="0"/>
                 <a:cs typeface="MV Boli" panose="02000500030200090000" pitchFamily="2" charset="0"/>
               </a:rPr>
-              <a:t>desk</a:t>
+              <a:t>analytics</a:t>
             </a:r>
             <a:endParaRPr lang="pt-BR" sz="1544" dirty="0">
               <a:solidFill>
@@ -10947,27 +9334,7 @@
                 <a:latin typeface="MV Boli" panose="02000500030200090000" pitchFamily="2" charset="0"/>
                 <a:cs typeface="MV Boli" panose="02000500030200090000" pitchFamily="2" charset="0"/>
               </a:rPr>
-              <a:t>QR </a:t>
-            </a:r>
-            <a:r>
-              <a:rPr lang="pt-BR" sz="1544" dirty="0" err="1">
-                <a:solidFill>
-                  <a:schemeClr val="tx1"/>
-                </a:solidFill>
-                <a:latin typeface="MV Boli" panose="02000500030200090000" pitchFamily="2" charset="0"/>
-                <a:cs typeface="MV Boli" panose="02000500030200090000" pitchFamily="2" charset="0"/>
-              </a:rPr>
-              <a:t>Code</a:t>
-            </a:r>
-            <a:r>
-              <a:rPr lang="pt-BR" sz="1544" dirty="0">
-                <a:solidFill>
-                  <a:schemeClr val="tx1"/>
-                </a:solidFill>
-                <a:latin typeface="MV Boli" panose="02000500030200090000" pitchFamily="2" charset="0"/>
-                <a:cs typeface="MV Boli" panose="02000500030200090000" pitchFamily="2" charset="0"/>
-              </a:rPr>
-              <a:t> vinculado a biblioteca</a:t>
+              <a:t>Feedback ao usuário</a:t>
             </a:r>
           </a:p>
         </p:txBody>
@@ -10986,8 +9353,8 @@
         </p:nvSpPr>
         <p:spPr>
           <a:xfrm>
-            <a:off x="10106172" y="3117515"/>
-            <a:ext cx="1939348" cy="873217"/>
+            <a:off x="10106171" y="3117515"/>
+            <a:ext cx="2241885" cy="873217"/>
           </a:xfrm>
           <a:prstGeom prst="rect">
             <a:avLst/>
@@ -11036,7 +9403,7 @@
                 <a:latin typeface="MV Boli" panose="02000500030200090000" pitchFamily="2" charset="0"/>
                 <a:cs typeface="MV Boli" panose="02000500030200090000" pitchFamily="2" charset="0"/>
               </a:rPr>
-              <a:t>Melhoria na comunicação entre a empresa e o cliente</a:t>
+              <a:t>Melhoria na interação Investidor/Minerador</a:t>
             </a:r>
           </a:p>
         </p:txBody>
@@ -11109,7 +9476,7 @@
                 <a:latin typeface="MV Boli" panose="02000500030200090000" pitchFamily="2" charset="0"/>
                 <a:cs typeface="MV Boli" panose="02000500030200090000" pitchFamily="2" charset="0"/>
               </a:rPr>
-              <a:t>Facilidade e dinamismo na prestação de serviços</a:t>
+              <a:t>Preço justo e viável</a:t>
             </a:r>
           </a:p>
         </p:txBody>
@@ -11128,7 +9495,7 @@
         </p:nvSpPr>
         <p:spPr>
           <a:xfrm>
-            <a:off x="10290174" y="6008318"/>
+            <a:off x="10224880" y="6029482"/>
             <a:ext cx="1789092" cy="873217"/>
           </a:xfrm>
           <a:prstGeom prst="rect">
@@ -11182,7 +9549,76 @@
                 <a:latin typeface="MV Boli" panose="02000500030200090000" pitchFamily="2" charset="0"/>
                 <a:cs typeface="MV Boli" panose="02000500030200090000" pitchFamily="2" charset="0"/>
               </a:rPr>
-              <a:t>Informações, avisos e atualizações em tempo real</a:t>
+              <a:t>Recebimento de dados em tempo real</a:t>
+            </a:r>
+          </a:p>
+        </p:txBody>
+      </p:sp>
+      <p:sp>
+        <p:nvSpPr>
+          <p:cNvPr id="32" name="Retângulo 31">
+            <a:extLst>
+              <a:ext uri="{FF2B5EF4-FFF2-40B4-BE49-F238E27FC236}">
+                <a16:creationId xmlns:a16="http://schemas.microsoft.com/office/drawing/2014/main" id="{B7EE90D9-C424-44EE-91CF-D4462547D358}"/>
+              </a:ext>
+            </a:extLst>
+          </p:cNvPr>
+          <p:cNvSpPr/>
+          <p:nvPr/>
+        </p:nvSpPr>
+        <p:spPr>
+          <a:xfrm>
+            <a:off x="156217" y="1848306"/>
+            <a:ext cx="1667358" cy="873217"/>
+          </a:xfrm>
+          <a:prstGeom prst="rect">
+            <a:avLst/>
+          </a:prstGeom>
+          <a:solidFill>
+            <a:srgbClr val="FFC000"/>
+          </a:solidFill>
+          <a:ln>
+            <a:noFill/>
+          </a:ln>
+          <a:effectLst>
+            <a:outerShdw blurRad="25400" dist="38100" dir="5400000" algn="t" rotWithShape="0">
+              <a:schemeClr val="bg1">
+                <a:lumMod val="85000"/>
+                <a:alpha val="40000"/>
+              </a:schemeClr>
+            </a:outerShdw>
+          </a:effectLst>
+        </p:spPr>
+        <p:style>
+          <a:lnRef idx="2">
+            <a:schemeClr val="accent1">
+              <a:shade val="50000"/>
+            </a:schemeClr>
+          </a:lnRef>
+          <a:fillRef idx="1">
+            <a:schemeClr val="accent1"/>
+          </a:fillRef>
+          <a:effectRef idx="0">
+            <a:schemeClr val="accent1"/>
+          </a:effectRef>
+          <a:fontRef idx="minor">
+            <a:schemeClr val="lt1"/>
+          </a:fontRef>
+        </p:style>
+        <p:txBody>
+          <a:bodyPr rtlCol="0" anchor="ctr"/>
+          <a:lstStyle/>
+          <a:p>
+            <a:pPr algn="ctr" defTabSz="1149969"/>
+            <a:r>
+              <a:rPr lang="pt-BR" sz="1544" dirty="0">
+                <a:solidFill>
+                  <a:schemeClr val="tx1"/>
+                </a:solidFill>
+                <a:latin typeface="MV Boli" panose="02000500030200090000" pitchFamily="2" charset="0"/>
+                <a:cs typeface="MV Boli" panose="02000500030200090000" pitchFamily="2" charset="0"/>
+              </a:rPr>
+              <a:t>Baixo incentivo a criptomoeda</a:t>
             </a:r>
           </a:p>
         </p:txBody>
@@ -11190,7 +9626,7 @@
     </p:spTree>
     <p:extLst>
       <p:ext uri="{BB962C8B-B14F-4D97-AF65-F5344CB8AC3E}">
-        <p14:creationId xmlns:p14="http://schemas.microsoft.com/office/powerpoint/2010/main" val="2639591146"/>
+        <p14:creationId xmlns:p14="http://schemas.microsoft.com/office/powerpoint/2010/main" val="220032209"/>
       </p:ext>
     </p:extLst>
   </p:cSld>
